--- a/youngdeveloper/backup/t3p tmp/jQuery.pptx
+++ b/youngdeveloper/backup/t3p tmp/jQuery.pptx
@@ -8,7 +8,6 @@
     <p:sldId id="256" r:id="rId2"/>
     <p:sldId id="257" r:id="rId3"/>
     <p:sldId id="258" r:id="rId4"/>
-    <p:sldId id="259" r:id="rId5"/>
   </p:sldIdLst>
   <p:sldSz cx="9144000" cy="6858000" type="screen4x3"/>
   <p:notesSz cx="6858000" cy="9144000"/>
@@ -292,7 +291,7 @@
             <a:fld id="{1D8BD707-D9CF-40AE-B4C6-C98DA3205C09}" type="datetimeFigureOut">
               <a:rPr lang="en-US" smtClean="0"/>
               <a:pPr/>
-              <a:t>5/7/2018</a:t>
+              <a:t>5/21/2018</a:t>
             </a:fld>
             <a:endParaRPr lang="en-US"/>
           </a:p>
@@ -459,7 +458,7 @@
             <a:fld id="{1D8BD707-D9CF-40AE-B4C6-C98DA3205C09}" type="datetimeFigureOut">
               <a:rPr lang="en-US" smtClean="0"/>
               <a:pPr/>
-              <a:t>5/7/2018</a:t>
+              <a:t>5/21/2018</a:t>
             </a:fld>
             <a:endParaRPr lang="en-US"/>
           </a:p>
@@ -636,7 +635,7 @@
             <a:fld id="{1D8BD707-D9CF-40AE-B4C6-C98DA3205C09}" type="datetimeFigureOut">
               <a:rPr lang="en-US" smtClean="0"/>
               <a:pPr/>
-              <a:t>5/7/2018</a:t>
+              <a:t>5/21/2018</a:t>
             </a:fld>
             <a:endParaRPr lang="en-US"/>
           </a:p>
@@ -803,7 +802,7 @@
             <a:fld id="{1D8BD707-D9CF-40AE-B4C6-C98DA3205C09}" type="datetimeFigureOut">
               <a:rPr lang="en-US" smtClean="0"/>
               <a:pPr/>
-              <a:t>5/7/2018</a:t>
+              <a:t>5/21/2018</a:t>
             </a:fld>
             <a:endParaRPr lang="en-US"/>
           </a:p>
@@ -1046,7 +1045,7 @@
             <a:fld id="{1D8BD707-D9CF-40AE-B4C6-C98DA3205C09}" type="datetimeFigureOut">
               <a:rPr lang="en-US" smtClean="0"/>
               <a:pPr/>
-              <a:t>5/7/2018</a:t>
+              <a:t>5/21/2018</a:t>
             </a:fld>
             <a:endParaRPr lang="en-US"/>
           </a:p>
@@ -1331,7 +1330,7 @@
             <a:fld id="{1D8BD707-D9CF-40AE-B4C6-C98DA3205C09}" type="datetimeFigureOut">
               <a:rPr lang="en-US" smtClean="0"/>
               <a:pPr/>
-              <a:t>5/7/2018</a:t>
+              <a:t>5/21/2018</a:t>
             </a:fld>
             <a:endParaRPr lang="en-US"/>
           </a:p>
@@ -1750,7 +1749,7 @@
             <a:fld id="{1D8BD707-D9CF-40AE-B4C6-C98DA3205C09}" type="datetimeFigureOut">
               <a:rPr lang="en-US" smtClean="0"/>
               <a:pPr/>
-              <a:t>5/7/2018</a:t>
+              <a:t>5/21/2018</a:t>
             </a:fld>
             <a:endParaRPr lang="en-US"/>
           </a:p>
@@ -1865,7 +1864,7 @@
             <a:fld id="{1D8BD707-D9CF-40AE-B4C6-C98DA3205C09}" type="datetimeFigureOut">
               <a:rPr lang="en-US" smtClean="0"/>
               <a:pPr/>
-              <a:t>5/7/2018</a:t>
+              <a:t>5/21/2018</a:t>
             </a:fld>
             <a:endParaRPr lang="en-US"/>
           </a:p>
@@ -1957,7 +1956,7 @@
             <a:fld id="{1D8BD707-D9CF-40AE-B4C6-C98DA3205C09}" type="datetimeFigureOut">
               <a:rPr lang="en-US" smtClean="0"/>
               <a:pPr/>
-              <a:t>5/7/2018</a:t>
+              <a:t>5/21/2018</a:t>
             </a:fld>
             <a:endParaRPr lang="en-US"/>
           </a:p>
@@ -2231,7 +2230,7 @@
             <a:fld id="{1D8BD707-D9CF-40AE-B4C6-C98DA3205C09}" type="datetimeFigureOut">
               <a:rPr lang="en-US" smtClean="0"/>
               <a:pPr/>
-              <a:t>5/7/2018</a:t>
+              <a:t>5/21/2018</a:t>
             </a:fld>
             <a:endParaRPr lang="en-US"/>
           </a:p>
@@ -2481,7 +2480,7 @@
             <a:fld id="{1D8BD707-D9CF-40AE-B4C6-C98DA3205C09}" type="datetimeFigureOut">
               <a:rPr lang="en-US" smtClean="0"/>
               <a:pPr/>
-              <a:t>5/7/2018</a:t>
+              <a:t>5/21/2018</a:t>
             </a:fld>
             <a:endParaRPr lang="en-US"/>
           </a:p>
@@ -2691,7 +2690,7 @@
             <a:fld id="{1D8BD707-D9CF-40AE-B4C6-C98DA3205C09}" type="datetimeFigureOut">
               <a:rPr lang="en-US" smtClean="0"/>
               <a:pPr/>
-              <a:t>5/7/2018</a:t>
+              <a:t>5/21/2018</a:t>
             </a:fld>
             <a:endParaRPr lang="en-US"/>
           </a:p>
@@ -3064,29 +3063,6 @@
       </p:grpSpPr>
       <p:sp>
         <p:nvSpPr>
-          <p:cNvPr id="2" name="Title 1"/>
-          <p:cNvSpPr>
-            <a:spLocks noGrp="1"/>
-          </p:cNvSpPr>
-          <p:nvPr>
-            <p:ph type="ctrTitle"/>
-          </p:nvPr>
-        </p:nvSpPr>
-        <p:spPr/>
-        <p:txBody>
-          <a:bodyPr/>
-          <a:lstStyle/>
-          <a:p>
-            <a:r>
-              <a:rPr lang="en-GB" dirty="0" err="1"/>
-              <a:t>jQuery</a:t>
-            </a:r>
-            <a:endParaRPr lang="en-GB" dirty="0"/>
-          </a:p>
-        </p:txBody>
-      </p:sp>
-      <p:sp>
-        <p:nvSpPr>
           <p:cNvPr id="3" name="Subtitle 2"/>
           <p:cNvSpPr>
             <a:spLocks noGrp="1"/>
@@ -3102,7 +3078,7 @@
           <a:p>
             <a:r>
               <a:rPr lang="en-US" dirty="0" err="1" smtClean="0"/>
-              <a:t>Hướng</a:t>
+              <a:t>Người</a:t>
             </a:r>
             <a:r>
               <a:rPr lang="en-US" dirty="0" smtClean="0"/>
@@ -3110,6 +3086,14 @@
             </a:r>
             <a:r>
               <a:rPr lang="en-US" dirty="0" err="1" smtClean="0"/>
+              <a:t>hướng</a:t>
+            </a:r>
+            <a:r>
+              <a:rPr lang="en-US" dirty="0" smtClean="0"/>
+              <a:t> </a:t>
+            </a:r>
+            <a:r>
+              <a:rPr lang="en-US" dirty="0" err="1" smtClean="0"/>
               <a:t>dẫn</a:t>
             </a:r>
             <a:r>
@@ -3130,16 +3114,139 @@
             </a:r>
             <a:r>
               <a:rPr lang="en-US" dirty="0" smtClean="0"/>
-              <a:t> Huy</a:t>
-            </a:r>
-            <a:endParaRPr lang="en-GB" dirty="0"/>
-          </a:p>
-        </p:txBody>
-      </p:sp>
+              <a:t> </a:t>
+            </a:r>
+            <a:r>
+              <a:rPr lang="en-US" dirty="0" err="1" smtClean="0"/>
+              <a:t>Huy</a:t>
+            </a:r>
+            <a:endParaRPr lang="en-US" dirty="0"/>
+          </a:p>
+        </p:txBody>
+      </p:sp>
+      <p:sp>
+        <p:nvSpPr>
+          <p:cNvPr id="4" name="AutoShape 2" descr="Image result for jquery"/>
+          <p:cNvSpPr>
+            <a:spLocks noChangeAspect="1" noChangeArrowheads="1"/>
+          </p:cNvSpPr>
+          <p:nvPr/>
+        </p:nvSpPr>
+        <p:spPr bwMode="auto">
+          <a:xfrm>
+            <a:off x="155575" y="-144463"/>
+            <a:ext cx="304800" cy="304801"/>
+          </a:xfrm>
+          <a:prstGeom prst="rect">
+            <a:avLst/>
+          </a:prstGeom>
+          <a:noFill/>
+          <a:extLst>
+            <a:ext uri="{909E8E84-426E-40DD-AFC4-6F175D3DCCD1}">
+              <a14:hiddenFill xmlns:a14="http://schemas.microsoft.com/office/drawing/2010/main">
+                <a:solidFill>
+                  <a:srgbClr val="FFFFFF"/>
+                </a:solidFill>
+              </a14:hiddenFill>
+            </a:ext>
+          </a:extLst>
+        </p:spPr>
+        <p:txBody>
+          <a:bodyPr vert="horz" wrap="square" lIns="91440" tIns="45720" rIns="91440" bIns="45720" numCol="1" anchor="t" anchorCtr="0" compatLnSpc="1">
+            <a:prstTxWarp prst="textNoShape">
+              <a:avLst/>
+            </a:prstTxWarp>
+          </a:bodyPr>
+          <a:lstStyle/>
+          <a:p>
+            <a:endParaRPr lang="en-US"/>
+          </a:p>
+        </p:txBody>
+      </p:sp>
+      <p:sp>
+        <p:nvSpPr>
+          <p:cNvPr id="5" name="AutoShape 4" descr="Image result for jquery"/>
+          <p:cNvSpPr>
+            <a:spLocks noChangeAspect="1" noChangeArrowheads="1"/>
+          </p:cNvSpPr>
+          <p:nvPr/>
+        </p:nvSpPr>
+        <p:spPr bwMode="auto">
+          <a:xfrm>
+            <a:off x="307975" y="7937"/>
+            <a:ext cx="304800" cy="304801"/>
+          </a:xfrm>
+          <a:prstGeom prst="rect">
+            <a:avLst/>
+          </a:prstGeom>
+          <a:noFill/>
+          <a:extLst>
+            <a:ext uri="{909E8E84-426E-40DD-AFC4-6F175D3DCCD1}">
+              <a14:hiddenFill xmlns:a14="http://schemas.microsoft.com/office/drawing/2010/main">
+                <a:solidFill>
+                  <a:srgbClr val="FFFFFF"/>
+                </a:solidFill>
+              </a14:hiddenFill>
+            </a:ext>
+          </a:extLst>
+        </p:spPr>
+        <p:txBody>
+          <a:bodyPr vert="horz" wrap="square" lIns="91440" tIns="45720" rIns="91440" bIns="45720" numCol="1" anchor="t" anchorCtr="0" compatLnSpc="1">
+            <a:prstTxWarp prst="textNoShape">
+              <a:avLst/>
+            </a:prstTxWarp>
+          </a:bodyPr>
+          <a:lstStyle/>
+          <a:p>
+            <a:endParaRPr lang="en-US"/>
+          </a:p>
+        </p:txBody>
+      </p:sp>
+      <p:pic>
+        <p:nvPicPr>
+          <p:cNvPr id="1026" name="Picture 2" descr="Image result for jquery"/>
+          <p:cNvPicPr>
+            <a:picLocks noChangeAspect="1" noChangeArrowheads="1"/>
+          </p:cNvPicPr>
+          <p:nvPr/>
+        </p:nvPicPr>
+        <p:blipFill>
+          <a:blip r:embed="rId2">
+            <a:extLst>
+              <a:ext uri="{28A0092B-C50C-407E-A947-70E740481C1C}">
+                <a14:useLocalDpi xmlns:a14="http://schemas.microsoft.com/office/drawing/2010/main" val="0"/>
+              </a:ext>
+            </a:extLst>
+          </a:blip>
+          <a:srcRect/>
+          <a:stretch>
+            <a:fillRect/>
+          </a:stretch>
+        </p:blipFill>
+        <p:spPr bwMode="auto">
+          <a:xfrm>
+            <a:off x="2923309" y="609600"/>
+            <a:ext cx="3429000" cy="3429000"/>
+          </a:xfrm>
+          <a:prstGeom prst="rect">
+            <a:avLst/>
+          </a:prstGeom>
+          <a:noFill/>
+          <a:extLst>
+            <a:ext uri="{909E8E84-426E-40DD-AFC4-6F175D3DCCD1}">
+              <a14:hiddenFill xmlns:a14="http://schemas.microsoft.com/office/drawing/2010/main">
+                <a:solidFill>
+                  <a:srgbClr val="FFFFFF"/>
+                </a:solidFill>
+              </a14:hiddenFill>
+            </a:ext>
+          </a:extLst>
+        </p:spPr>
+      </p:pic>
     </p:spTree>
     <p:extLst>
       <p:ext uri="{BB962C8B-B14F-4D97-AF65-F5344CB8AC3E}">
-        <p14:creationId xmlns:p14="http://schemas.microsoft.com/office/powerpoint/2010/main" val="4244926527"/>
+        <p14:creationId xmlns:p14="http://schemas.microsoft.com/office/powerpoint/2010/main" val="2651313122"/>
       </p:ext>
     </p:extLst>
   </p:cSld>
@@ -3182,43 +3289,31 @@
           <a:lstStyle/>
           <a:p>
             <a:r>
+              <a:rPr lang="en-US" dirty="0" smtClean="0"/>
+              <a:t>What is jQuery?</a:t>
+            </a:r>
+            <a:endParaRPr lang="en-US" dirty="0"/>
+          </a:p>
+        </p:txBody>
+      </p:sp>
+      <p:sp>
+        <p:nvSpPr>
+          <p:cNvPr id="3" name="Content Placeholder 2"/>
+          <p:cNvSpPr>
+            <a:spLocks noGrp="1"/>
+          </p:cNvSpPr>
+          <p:nvPr>
+            <p:ph idx="1"/>
+          </p:nvPr>
+        </p:nvSpPr>
+        <p:spPr/>
+        <p:txBody>
+          <a:bodyPr/>
+          <a:lstStyle/>
+          <a:p>
+            <a:r>
               <a:rPr lang="en-US" dirty="0" err="1" smtClean="0"/>
-              <a:t>Nội</a:t>
-            </a:r>
-            <a:r>
-              <a:rPr lang="en-US" dirty="0" smtClean="0"/>
-              <a:t> dung</a:t>
-            </a:r>
-            <a:endParaRPr lang="en-GB" dirty="0"/>
-          </a:p>
-        </p:txBody>
-      </p:sp>
-      <p:sp>
-        <p:nvSpPr>
-          <p:cNvPr id="3" name="Content Placeholder 2"/>
-          <p:cNvSpPr>
-            <a:spLocks noGrp="1"/>
-          </p:cNvSpPr>
-          <p:nvPr>
-            <p:ph idx="1"/>
-          </p:nvPr>
-        </p:nvSpPr>
-        <p:spPr/>
-        <p:txBody>
-          <a:bodyPr/>
-          <a:lstStyle/>
-          <a:p>
-            <a:r>
-              <a:rPr lang="en-GB" dirty="0" err="1"/>
-              <a:t>jQuery</a:t>
-            </a:r>
-            <a:r>
-              <a:rPr lang="en-GB" dirty="0"/>
-              <a:t> </a:t>
-            </a:r>
-            <a:r>
-              <a:rPr lang="en-US" dirty="0" err="1" smtClean="0"/>
-              <a:t>là</a:t>
+              <a:t>Thư</a:t>
             </a:r>
             <a:r>
               <a:rPr lang="en-US" dirty="0" smtClean="0"/>
@@ -3226,37 +3321,22 @@
             </a:r>
             <a:r>
               <a:rPr lang="en-US" dirty="0" err="1" smtClean="0"/>
-              <a:t>gì</a:t>
-            </a:r>
-            <a:endParaRPr lang="en-US" dirty="0" smtClean="0"/>
-          </a:p>
-          <a:p>
-            <a:r>
-              <a:rPr lang="en-US" dirty="0" err="1" smtClean="0"/>
-              <a:t>Các</a:t>
-            </a:r>
-            <a:r>
-              <a:rPr lang="en-US" dirty="0" smtClean="0"/>
-              <a:t> Module </a:t>
-            </a:r>
-            <a:r>
-              <a:rPr lang="en-US" dirty="0" err="1" smtClean="0"/>
-              <a:t>của</a:t>
+              <a:t>viện</a:t>
             </a:r>
             <a:r>
               <a:rPr lang="en-US" dirty="0" smtClean="0"/>
               <a:t> </a:t>
             </a:r>
             <a:r>
-              <a:rPr lang="en-GB" dirty="0" err="1"/>
-              <a:t>jQuery</a:t>
+              <a:rPr lang="en-US" dirty="0" err="1" smtClean="0"/>
+              <a:t>JavaScrip</a:t>
             </a:r>
             <a:endParaRPr lang="en-US" dirty="0" smtClean="0"/>
           </a:p>
           <a:p>
             <a:r>
               <a:rPr lang="en-US" dirty="0" err="1" smtClean="0"/>
-              <a:t>Cách</a:t>
+              <a:t>Nhanh</a:t>
             </a:r>
             <a:r>
               <a:rPr lang="en-US" dirty="0" smtClean="0"/>
@@ -3264,24 +3344,144 @@
             </a:r>
             <a:r>
               <a:rPr lang="en-US" dirty="0" err="1" smtClean="0"/>
-              <a:t>viết</a:t>
+              <a:t>nhẹ</a:t>
+            </a:r>
+            <a:r>
+              <a:rPr lang="en-US" dirty="0" smtClean="0"/>
+              <a:t>, </a:t>
+            </a:r>
+            <a:r>
+              <a:rPr lang="en-US" dirty="0" err="1" smtClean="0"/>
+              <a:t>dễ</a:t>
             </a:r>
             <a:r>
               <a:rPr lang="en-US" dirty="0" smtClean="0"/>
               <a:t> </a:t>
             </a:r>
             <a:r>
-              <a:rPr lang="en-GB" dirty="0" err="1"/>
-              <a:t>jQuery</a:t>
-            </a:r>
-            <a:endParaRPr lang="en-GB" dirty="0"/>
-          </a:p>
-        </p:txBody>
-      </p:sp>
+              <a:rPr lang="en-US" dirty="0" err="1" smtClean="0"/>
+              <a:t>dàng</a:t>
+            </a:r>
+            <a:r>
+              <a:rPr lang="en-US" dirty="0" smtClean="0"/>
+              <a:t> </a:t>
+            </a:r>
+            <a:r>
+              <a:rPr lang="en-US" dirty="0" err="1" smtClean="0"/>
+              <a:t>mở</a:t>
+            </a:r>
+            <a:r>
+              <a:rPr lang="en-US" dirty="0" smtClean="0"/>
+              <a:t> </a:t>
+            </a:r>
+            <a:r>
+              <a:rPr lang="en-US" dirty="0" err="1" smtClean="0"/>
+              <a:t>rộng</a:t>
+            </a:r>
+            <a:endParaRPr lang="en-US" dirty="0" smtClean="0"/>
+          </a:p>
+          <a:p>
+            <a:r>
+              <a:rPr lang="en-US" dirty="0" err="1" smtClean="0"/>
+              <a:t>Đơn</a:t>
+            </a:r>
+            <a:r>
+              <a:rPr lang="en-US" dirty="0" smtClean="0"/>
+              <a:t> </a:t>
+            </a:r>
+            <a:r>
+              <a:rPr lang="en-US" dirty="0" err="1" smtClean="0"/>
+              <a:t>giản</a:t>
+            </a:r>
+            <a:r>
+              <a:rPr lang="en-US" dirty="0" smtClean="0"/>
+              <a:t> </a:t>
+            </a:r>
+            <a:r>
+              <a:rPr lang="en-US" dirty="0" err="1" smtClean="0"/>
+              <a:t>việc</a:t>
+            </a:r>
+            <a:r>
+              <a:rPr lang="en-US" dirty="0" smtClean="0"/>
+              <a:t> </a:t>
+            </a:r>
+            <a:r>
+              <a:rPr lang="en-US" dirty="0" err="1" smtClean="0"/>
+              <a:t>viết</a:t>
+            </a:r>
+            <a:r>
+              <a:rPr lang="en-US" dirty="0" smtClean="0"/>
+              <a:t> </a:t>
+            </a:r>
+            <a:r>
+              <a:rPr lang="en-US" dirty="0" err="1" smtClean="0"/>
+              <a:t>mã</a:t>
+            </a:r>
+            <a:r>
+              <a:rPr lang="en-US" dirty="0" smtClean="0"/>
+              <a:t> JS =&gt; </a:t>
+            </a:r>
+            <a:r>
+              <a:rPr lang="en-US" dirty="0" err="1" smtClean="0"/>
+              <a:t>dễ</a:t>
+            </a:r>
+            <a:r>
+              <a:rPr lang="en-US" dirty="0" smtClean="0"/>
+              <a:t> </a:t>
+            </a:r>
+            <a:r>
+              <a:rPr lang="en-US" dirty="0" err="1" smtClean="0"/>
+              <a:t>dàng</a:t>
+            </a:r>
+            <a:endParaRPr lang="en-US" dirty="0"/>
+          </a:p>
+        </p:txBody>
+      </p:sp>
+      <p:pic>
+        <p:nvPicPr>
+          <p:cNvPr id="4" name="Picture 6" descr="Image result for jquery"/>
+          <p:cNvPicPr>
+            <a:picLocks noChangeAspect="1" noChangeArrowheads="1"/>
+          </p:cNvPicPr>
+          <p:nvPr/>
+        </p:nvPicPr>
+        <p:blipFill>
+          <a:blip r:embed="rId2">
+            <a:extLst>
+              <a:ext uri="{28A0092B-C50C-407E-A947-70E740481C1C}">
+                <a14:useLocalDpi xmlns:a14="http://schemas.microsoft.com/office/drawing/2010/main" val="0"/>
+              </a:ext>
+            </a:extLst>
+          </a:blip>
+          <a:srcRect/>
+          <a:stretch>
+            <a:fillRect/>
+          </a:stretch>
+        </p:blipFill>
+        <p:spPr bwMode="auto">
+          <a:xfrm>
+            <a:off x="2057400" y="3520786"/>
+            <a:ext cx="4762500" cy="2857500"/>
+          </a:xfrm>
+          <a:prstGeom prst="rect">
+            <a:avLst/>
+          </a:prstGeom>
+          <a:noFill/>
+          <a:extLst>
+            <a:ext uri="{909E8E84-426E-40DD-AFC4-6F175D3DCCD1}">
+              <a14:hiddenFill xmlns:a14="http://schemas.microsoft.com/office/drawing/2010/main">
+                <a:solidFill>
+                  <a:srgbClr val="FFFFFF"/>
+                </a:solidFill>
+              </a14:hiddenFill>
+            </a:ext>
+          </a:extLst>
+        </p:spPr>
+      </p:pic>
     </p:spTree>
     <p:extLst>
       <p:ext uri="{BB962C8B-B14F-4D97-AF65-F5344CB8AC3E}">
-        <p14:creationId xmlns:p14="http://schemas.microsoft.com/office/powerpoint/2010/main" val="2134330680"/>
+        <p14:creationId xmlns:p14="http://schemas.microsoft.com/office/powerpoint/2010/main" val="2674220208"/>
       </p:ext>
     </p:extLst>
   </p:cSld>
@@ -3318,22 +3518,88 @@
             <p:ph type="title"/>
           </p:nvPr>
         </p:nvSpPr>
-        <p:spPr/>
-        <p:txBody>
-          <a:bodyPr/>
-          <a:lstStyle/>
-          <a:p>
-            <a:r>
-              <a:rPr lang="en-GB" dirty="0" err="1"/>
-              <a:t>jQuery</a:t>
-            </a:r>
-            <a:r>
-              <a:rPr lang="en-GB" dirty="0"/>
-              <a:t> </a:t>
-            </a:r>
+        <p:spPr>
+          <a:xfrm>
+            <a:off x="457200" y="381000"/>
+            <a:ext cx="8229600" cy="1143000"/>
+          </a:xfrm>
+        </p:spPr>
+        <p:txBody>
+          <a:bodyPr/>
+          <a:lstStyle/>
+          <a:p>
             <a:r>
               <a:rPr lang="en-US" dirty="0" err="1" smtClean="0"/>
-              <a:t>là</a:t>
+              <a:t>Eg</a:t>
+            </a:r>
+            <a:r>
+              <a:rPr lang="en-US" dirty="0" smtClean="0"/>
+              <a:t>: JS vs j</a:t>
+            </a:r>
+            <a:r>
+              <a:rPr lang="en-US" dirty="0"/>
+              <a:t>Q</a:t>
+            </a:r>
+            <a:r>
+              <a:rPr lang="en-US" dirty="0" smtClean="0"/>
+              <a:t>uery</a:t>
+            </a:r>
+            <a:endParaRPr lang="en-US" dirty="0"/>
+          </a:p>
+        </p:txBody>
+      </p:sp>
+      <p:sp>
+        <p:nvSpPr>
+          <p:cNvPr id="3" name="Content Placeholder 2"/>
+          <p:cNvSpPr>
+            <a:spLocks noGrp="1"/>
+          </p:cNvSpPr>
+          <p:nvPr>
+            <p:ph idx="1"/>
+          </p:nvPr>
+        </p:nvSpPr>
+        <p:spPr>
+          <a:xfrm>
+            <a:off x="457200" y="1600201"/>
+            <a:ext cx="8229600" cy="3810000"/>
+          </a:xfrm>
+        </p:spPr>
+        <p:style>
+          <a:lnRef idx="2">
+            <a:schemeClr val="accent3"/>
+          </a:lnRef>
+          <a:fillRef idx="1">
+            <a:schemeClr val="lt1"/>
+          </a:fillRef>
+          <a:effectRef idx="0">
+            <a:schemeClr val="accent3"/>
+          </a:effectRef>
+          <a:fontRef idx="minor">
+            <a:schemeClr val="dk1"/>
+          </a:fontRef>
+        </p:style>
+        <p:txBody>
+          <a:bodyPr>
+            <a:normAutofit/>
+          </a:bodyPr>
+          <a:lstStyle/>
+          <a:p>
+            <a:r>
+              <a:rPr lang="en-US" sz="2500" dirty="0" err="1" smtClean="0"/>
+              <a:t>Với</a:t>
+            </a:r>
+            <a:r>
+              <a:rPr lang="en-US" sz="2500" dirty="0" smtClean="0"/>
+              <a:t> JS</a:t>
+            </a:r>
+          </a:p>
+          <a:p>
+            <a:pPr marL="400050" lvl="1" indent="0">
+              <a:buNone/>
+            </a:pPr>
+            <a:r>
+              <a:rPr lang="en-US" dirty="0" err="1" smtClean="0"/>
+              <a:t>var</a:t>
             </a:r>
             <a:r>
               <a:rPr lang="en-US" dirty="0" smtClean="0"/>
@@ -3341,83 +3607,36 @@
             </a:r>
             <a:r>
               <a:rPr lang="en-US" dirty="0" err="1" smtClean="0"/>
-              <a:t>gì</a:t>
-            </a:r>
-            <a:endParaRPr lang="en-GB" dirty="0"/>
-          </a:p>
-        </p:txBody>
-      </p:sp>
-      <p:sp>
-        <p:nvSpPr>
-          <p:cNvPr id="3" name="Content Placeholder 2"/>
-          <p:cNvSpPr>
-            <a:spLocks noGrp="1"/>
-          </p:cNvSpPr>
-          <p:nvPr>
-            <p:ph idx="1"/>
-          </p:nvPr>
-        </p:nvSpPr>
-        <p:spPr/>
-        <p:txBody>
-          <a:bodyPr/>
-          <a:lstStyle/>
-          <a:p>
-            <a:r>
-              <a:rPr lang="en-GB" dirty="0" err="1"/>
-              <a:t>jQuery</a:t>
-            </a:r>
-            <a:r>
-              <a:rPr lang="en-GB" dirty="0"/>
-              <a:t> </a:t>
-            </a:r>
-            <a:r>
-              <a:rPr lang="en-GB" dirty="0" smtClean="0"/>
-              <a:t>- </a:t>
-            </a:r>
-            <a:r>
-              <a:rPr lang="en-GB" dirty="0" err="1" smtClean="0"/>
-              <a:t>là</a:t>
-            </a:r>
-            <a:r>
-              <a:rPr lang="en-GB" dirty="0" smtClean="0"/>
-              <a:t> </a:t>
-            </a:r>
-            <a:r>
-              <a:rPr lang="en-GB" dirty="0" err="1" smtClean="0"/>
-              <a:t>thư</a:t>
-            </a:r>
-            <a:r>
-              <a:rPr lang="en-GB" dirty="0" smtClean="0"/>
-              <a:t> </a:t>
-            </a:r>
-            <a:r>
-              <a:rPr lang="en-GB" dirty="0" err="1" smtClean="0"/>
-              <a:t>viện</a:t>
-            </a:r>
-            <a:r>
-              <a:rPr lang="en-GB" dirty="0" smtClean="0"/>
-              <a:t> </a:t>
-            </a:r>
-            <a:r>
-              <a:rPr lang="en-GB" dirty="0" err="1" smtClean="0"/>
-              <a:t>từ</a:t>
-            </a:r>
-            <a:r>
-              <a:rPr lang="en-GB" dirty="0" smtClean="0"/>
-              <a:t> JS.</a:t>
-            </a:r>
-            <a:endParaRPr lang="en-US" dirty="0" smtClean="0">
-              <a:latin typeface="Calibri (Body)"/>
-            </a:endParaRPr>
-          </a:p>
-          <a:p>
+              <a:t>listA</a:t>
+            </a:r>
             <a:r>
               <a:rPr lang="en-US" dirty="0" smtClean="0"/>
-              <a:t>Code JS </a:t>
+              <a:t> = </a:t>
             </a:r>
             <a:r>
               <a:rPr lang="en-US" dirty="0" err="1" smtClean="0"/>
-              <a:t>dễ</a:t>
+              <a:t>document.getElementsByTagName</a:t>
+            </a:r>
+            <a:r>
+              <a:rPr lang="en-US" dirty="0" smtClean="0"/>
+              <a:t>(“a”);</a:t>
+            </a:r>
+          </a:p>
+          <a:p>
+            <a:pPr marL="400050" lvl="1" indent="0">
+              <a:buNone/>
+            </a:pPr>
+            <a:r>
+              <a:rPr lang="en-US" dirty="0"/>
+              <a:t>f</a:t>
+            </a:r>
+            <a:r>
+              <a:rPr lang="en-US" dirty="0" smtClean="0"/>
+              <a:t>or(</a:t>
+            </a:r>
+            <a:r>
+              <a:rPr lang="en-US" dirty="0" err="1" smtClean="0"/>
+              <a:t>var</a:t>
             </a:r>
             <a:r>
               <a:rPr lang="en-US" dirty="0" smtClean="0"/>
@@ -3425,445 +3644,201 @@
             </a:r>
             <a:r>
               <a:rPr lang="en-US" dirty="0" err="1" smtClean="0"/>
-              <a:t>hơn</a:t>
+              <a:t>i</a:t>
             </a:r>
             <a:r>
               <a:rPr lang="en-US" dirty="0" smtClean="0"/>
+              <a:t> = 0, </a:t>
+            </a:r>
+            <a:r>
+              <a:rPr lang="en-US" dirty="0" err="1" smtClean="0"/>
+              <a:t>i</a:t>
+            </a:r>
+            <a:r>
+              <a:rPr lang="en-US" dirty="0" smtClean="0"/>
+              <a:t> &lt; </a:t>
+            </a:r>
+            <a:r>
+              <a:rPr lang="en-US" dirty="0" err="1" smtClean="0"/>
+              <a:t>listA.length</a:t>
+            </a:r>
+            <a:r>
+              <a:rPr lang="en-US" dirty="0" smtClean="0"/>
+              <a:t>; </a:t>
+            </a:r>
+            <a:r>
+              <a:rPr lang="en-US" dirty="0" err="1" smtClean="0"/>
+              <a:t>i</a:t>
+            </a:r>
+            <a:r>
+              <a:rPr lang="en-US" dirty="0" smtClean="0"/>
+              <a:t> ++){</a:t>
+            </a:r>
+          </a:p>
+          <a:p>
+            <a:pPr marL="400050" lvl="1" indent="0">
+              <a:buNone/>
+            </a:pPr>
+            <a:r>
+              <a:rPr lang="en-US" dirty="0" smtClean="0"/>
+              <a:t>	</a:t>
+            </a:r>
+            <a:r>
+              <a:rPr lang="en-US" dirty="0"/>
               <a:t> </a:t>
             </a:r>
             <a:r>
               <a:rPr lang="en-US" dirty="0" err="1" smtClean="0"/>
-              <a:t>cho</a:t>
+              <a:t>listA</a:t>
             </a:r>
             <a:r>
               <a:rPr lang="en-US" dirty="0" smtClean="0"/>
+              <a:t>[</a:t>
+            </a:r>
+            <a:r>
+              <a:rPr lang="en-US" dirty="0" err="1" smtClean="0"/>
+              <a:t>i</a:t>
+            </a:r>
+            <a:r>
+              <a:rPr lang="en-US" dirty="0" smtClean="0"/>
+              <a:t>].style = “color: red”;</a:t>
+            </a:r>
+            <a:endParaRPr lang="en-US" dirty="0"/>
+          </a:p>
+          <a:p>
+            <a:pPr marL="400050" lvl="1" indent="0">
+              <a:buNone/>
+            </a:pPr>
+            <a:r>
+              <a:rPr lang="en-US" dirty="0" smtClean="0"/>
+              <a:t>}</a:t>
+            </a:r>
+            <a:endParaRPr lang="en-US" dirty="0"/>
+          </a:p>
+          <a:p>
+            <a:r>
+              <a:rPr lang="en-US" sz="2500" dirty="0" err="1" smtClean="0"/>
+              <a:t>Với</a:t>
+            </a:r>
+            <a:r>
+              <a:rPr lang="en-US" sz="2500" dirty="0" smtClean="0"/>
+              <a:t> jQuery</a:t>
+            </a:r>
+          </a:p>
+          <a:p>
+            <a:pPr marL="0" indent="0">
+              <a:buNone/>
+            </a:pPr>
+            <a:r>
+              <a:rPr lang="en-US" sz="2500" dirty="0"/>
+              <a:t>	</a:t>
+            </a:r>
+            <a:r>
+              <a:rPr lang="en-US" sz="2800" dirty="0"/>
               <a:t> </a:t>
             </a:r>
             <a:r>
-              <a:rPr lang="en-US" dirty="0" err="1" smtClean="0"/>
-              <a:t>lập</a:t>
-            </a:r>
-            <a:r>
-              <a:rPr lang="en-US" dirty="0" smtClean="0"/>
+              <a:rPr lang="en-US" sz="2800" dirty="0" smtClean="0"/>
+              <a:t>$("</a:t>
+            </a:r>
+            <a:r>
+              <a:rPr lang="en-US" sz="2800" dirty="0"/>
+              <a:t>a" ).</a:t>
+            </a:r>
+            <a:r>
+              <a:rPr lang="en-US" sz="2800" dirty="0" err="1"/>
+              <a:t>css</a:t>
+            </a:r>
+            <a:r>
+              <a:rPr lang="en-US" sz="2800" dirty="0"/>
+              <a:t>( "color", "red" );</a:t>
+            </a:r>
+            <a:endParaRPr lang="en-US" sz="2500" dirty="0" smtClean="0"/>
+          </a:p>
+        </p:txBody>
+      </p:sp>
+      <p:sp>
+        <p:nvSpPr>
+          <p:cNvPr id="5" name="TextBox 4"/>
+          <p:cNvSpPr txBox="1"/>
+          <p:nvPr/>
+        </p:nvSpPr>
+        <p:spPr>
+          <a:xfrm>
+            <a:off x="2133600" y="5867400"/>
+            <a:ext cx="4741234" cy="477054"/>
+          </a:xfrm>
+          <a:prstGeom prst="rect">
+            <a:avLst/>
+          </a:prstGeom>
+          <a:noFill/>
+        </p:spPr>
+        <p:txBody>
+          <a:bodyPr wrap="none" rtlCol="0">
+            <a:spAutoFit/>
+          </a:bodyPr>
+          <a:lstStyle/>
+          <a:p>
+            <a:r>
+              <a:rPr lang="en-US" sz="2500" dirty="0" err="1" smtClean="0"/>
+              <a:t>Với</a:t>
+            </a:r>
+            <a:r>
+              <a:rPr lang="en-US" sz="2500" dirty="0" smtClean="0"/>
+              <a:t> jQuery </a:t>
+            </a:r>
+            <a:r>
+              <a:rPr lang="en-US" sz="2500" dirty="0" err="1" smtClean="0"/>
+              <a:t>việc</a:t>
+            </a:r>
+            <a:r>
+              <a:rPr lang="en-US" sz="2500" dirty="0" smtClean="0"/>
               <a:t> </a:t>
             </a:r>
             <a:r>
-              <a:rPr lang="en-US" dirty="0" err="1" smtClean="0"/>
-              <a:t>trình</a:t>
-            </a:r>
-            <a:r>
-              <a:rPr lang="en-US" dirty="0" smtClean="0"/>
+              <a:rPr lang="en-US" sz="2500" dirty="0" err="1" smtClean="0"/>
+              <a:t>viết</a:t>
+            </a:r>
+            <a:r>
+              <a:rPr lang="en-US" sz="2500" dirty="0" smtClean="0"/>
               <a:t> </a:t>
             </a:r>
             <a:r>
-              <a:rPr lang="en-US" dirty="0" err="1" smtClean="0"/>
-              <a:t>viên</a:t>
-            </a:r>
-            <a:endParaRPr lang="en-US" dirty="0" smtClean="0"/>
-          </a:p>
-          <a:p>
-            <a:r>
-              <a:rPr lang="en-US" dirty="0" err="1" smtClean="0"/>
-              <a:t>Hỗ</a:t>
-            </a:r>
-            <a:r>
-              <a:rPr lang="en-US" dirty="0" smtClean="0"/>
+              <a:rPr lang="en-US" sz="2500" dirty="0" err="1" smtClean="0"/>
+              <a:t>mã</a:t>
+            </a:r>
+            <a:r>
+              <a:rPr lang="en-US" sz="2500" dirty="0" smtClean="0"/>
               <a:t> </a:t>
             </a:r>
             <a:r>
-              <a:rPr lang="en-US" dirty="0" err="1" smtClean="0"/>
-              <a:t>trợ</a:t>
-            </a:r>
-            <a:r>
-              <a:rPr lang="en-US" dirty="0" smtClean="0"/>
+              <a:rPr lang="en-US" sz="2500" dirty="0" err="1" smtClean="0"/>
+              <a:t>rất</a:t>
+            </a:r>
+            <a:r>
+              <a:rPr lang="en-US" sz="2500" dirty="0" smtClean="0"/>
               <a:t> </a:t>
             </a:r>
             <a:r>
-              <a:rPr lang="en-US" dirty="0" err="1" smtClean="0"/>
-              <a:t>bởi</a:t>
-            </a:r>
-            <a:r>
-              <a:rPr lang="en-US" dirty="0" smtClean="0"/>
+              <a:rPr lang="en-US" sz="2500" dirty="0" err="1" smtClean="0"/>
+              <a:t>dễ</a:t>
+            </a:r>
+            <a:r>
+              <a:rPr lang="en-US" sz="2500" dirty="0" smtClean="0"/>
               <a:t> </a:t>
             </a:r>
             <a:r>
-              <a:rPr lang="en-US" dirty="0" err="1" smtClean="0"/>
-              <a:t>các</a:t>
-            </a:r>
-            <a:r>
-              <a:rPr lang="en-US" dirty="0" smtClean="0"/>
-              <a:t> module</a:t>
-            </a:r>
-          </a:p>
-          <a:p>
-            <a:r>
-              <a:rPr lang="en-US" dirty="0" err="1" smtClean="0"/>
-              <a:t>Hầu</a:t>
-            </a:r>
-            <a:r>
-              <a:rPr lang="en-US" dirty="0" smtClean="0"/>
-              <a:t> </a:t>
-            </a:r>
-            <a:r>
-              <a:rPr lang="en-US" dirty="0" err="1" smtClean="0"/>
-              <a:t>hết</a:t>
-            </a:r>
-            <a:r>
-              <a:rPr lang="en-US" dirty="0" smtClean="0"/>
-              <a:t> </a:t>
-            </a:r>
-            <a:r>
-              <a:rPr lang="en-US" dirty="0" err="1" smtClean="0"/>
-              <a:t>các</a:t>
-            </a:r>
-            <a:r>
-              <a:rPr lang="en-US" dirty="0" smtClean="0"/>
-              <a:t> website </a:t>
-            </a:r>
-            <a:r>
-              <a:rPr lang="en-US" dirty="0" err="1" smtClean="0"/>
-              <a:t>đều</a:t>
-            </a:r>
-            <a:r>
-              <a:rPr lang="en-US" dirty="0" smtClean="0"/>
-              <a:t> </a:t>
-            </a:r>
-            <a:r>
-              <a:rPr lang="en-US" dirty="0" err="1" smtClean="0"/>
-              <a:t>dùng</a:t>
-            </a:r>
-            <a:r>
-              <a:rPr lang="en-US" dirty="0" smtClean="0"/>
-              <a:t> </a:t>
-            </a:r>
-            <a:r>
-              <a:rPr lang="en-GB" dirty="0" err="1"/>
-              <a:t>jQuery</a:t>
-            </a:r>
-            <a:endParaRPr lang="en-GB" dirty="0"/>
+              <a:rPr lang="en-US" sz="2500" dirty="0" err="1" smtClean="0"/>
+              <a:t>dàng</a:t>
+            </a:r>
+            <a:endParaRPr lang="en-US" sz="2500" dirty="0"/>
           </a:p>
         </p:txBody>
       </p:sp>
     </p:spTree>
     <p:extLst>
       <p:ext uri="{BB962C8B-B14F-4D97-AF65-F5344CB8AC3E}">
-        <p14:creationId xmlns:p14="http://schemas.microsoft.com/office/powerpoint/2010/main" val="961690349"/>
-      </p:ext>
-    </p:extLst>
-  </p:cSld>
-  <p:clrMapOvr>
-    <a:masterClrMapping/>
-  </p:clrMapOvr>
-</p:sld>
-</file>
-
-<file path=ppt/slides/slide4.xml><?xml version="1.0" encoding="utf-8"?>
-<p:sld xmlns:a="http://schemas.openxmlformats.org/drawingml/2006/main" xmlns:r="http://schemas.openxmlformats.org/officeDocument/2006/relationships" xmlns:p="http://schemas.openxmlformats.org/presentationml/2006/main">
-  <p:cSld>
-    <p:spTree>
-      <p:nvGrpSpPr>
-        <p:cNvPr id="1" name=""/>
-        <p:cNvGrpSpPr/>
-        <p:nvPr/>
-      </p:nvGrpSpPr>
-      <p:grpSpPr>
-        <a:xfrm>
-          <a:off x="0" y="0"/>
-          <a:ext cx="0" cy="0"/>
-          <a:chOff x="0" y="0"/>
-          <a:chExt cx="0" cy="0"/>
-        </a:xfrm>
-      </p:grpSpPr>
-      <p:sp>
-        <p:nvSpPr>
-          <p:cNvPr id="2" name="Title 1"/>
-          <p:cNvSpPr>
-            <a:spLocks noGrp="1"/>
-          </p:cNvSpPr>
-          <p:nvPr>
-            <p:ph type="title"/>
-          </p:nvPr>
-        </p:nvSpPr>
-        <p:spPr/>
-        <p:txBody>
-          <a:bodyPr/>
-          <a:lstStyle/>
-          <a:p>
-            <a:r>
-              <a:rPr lang="en-US" dirty="0" smtClean="0"/>
-              <a:t>Modules </a:t>
-            </a:r>
-            <a:r>
-              <a:rPr lang="en-US" dirty="0" err="1" smtClean="0"/>
-              <a:t>của</a:t>
-            </a:r>
-            <a:r>
-              <a:rPr lang="en-US" dirty="0" smtClean="0"/>
-              <a:t> </a:t>
-            </a:r>
-            <a:r>
-              <a:rPr lang="en-US" dirty="0" err="1" smtClean="0"/>
-              <a:t>jQuery</a:t>
-            </a:r>
-            <a:endParaRPr lang="en-GB" dirty="0"/>
-          </a:p>
-        </p:txBody>
-      </p:sp>
-      <p:sp>
-        <p:nvSpPr>
-          <p:cNvPr id="3" name="Content Placeholder 2"/>
-          <p:cNvSpPr>
-            <a:spLocks noGrp="1"/>
-          </p:cNvSpPr>
-          <p:nvPr>
-            <p:ph idx="1"/>
-          </p:nvPr>
-        </p:nvSpPr>
-        <p:spPr/>
-        <p:txBody>
-          <a:bodyPr>
-            <a:normAutofit lnSpcReduction="10000"/>
-          </a:bodyPr>
-          <a:lstStyle/>
-          <a:p>
-            <a:r>
-              <a:rPr lang="en-US" dirty="0" smtClean="0"/>
-              <a:t>Ajax – </a:t>
-            </a:r>
-            <a:r>
-              <a:rPr lang="en-US" dirty="0" err="1" smtClean="0"/>
-              <a:t>xử</a:t>
-            </a:r>
-            <a:r>
-              <a:rPr lang="en-US" dirty="0" smtClean="0"/>
-              <a:t> </a:t>
-            </a:r>
-            <a:r>
-              <a:rPr lang="en-US" dirty="0" err="1" smtClean="0"/>
-              <a:t>lý</a:t>
-            </a:r>
-            <a:r>
-              <a:rPr lang="en-US" dirty="0" smtClean="0"/>
-              <a:t> Ajax</a:t>
-            </a:r>
-          </a:p>
-          <a:p>
-            <a:r>
-              <a:rPr lang="en-US" dirty="0" smtClean="0"/>
-              <a:t>DOM – </a:t>
-            </a:r>
-            <a:r>
-              <a:rPr lang="en-US" dirty="0" err="1" smtClean="0"/>
-              <a:t>xử</a:t>
-            </a:r>
-            <a:r>
-              <a:rPr lang="en-US" dirty="0" smtClean="0"/>
-              <a:t> </a:t>
-            </a:r>
-            <a:r>
-              <a:rPr lang="en-US" dirty="0" err="1" smtClean="0"/>
-              <a:t>lý</a:t>
-            </a:r>
-            <a:r>
-              <a:rPr lang="en-US" dirty="0" smtClean="0"/>
-              <a:t> </a:t>
-            </a:r>
-            <a:r>
-              <a:rPr lang="en-US" smtClean="0"/>
-              <a:t>Data Object Model</a:t>
-            </a:r>
-            <a:endParaRPr lang="en-US" dirty="0" smtClean="0"/>
-          </a:p>
-          <a:p>
-            <a:r>
-              <a:rPr lang="en-US" dirty="0" smtClean="0"/>
-              <a:t>Event – </a:t>
-            </a:r>
-            <a:r>
-              <a:rPr lang="en-US" dirty="0" err="1" smtClean="0"/>
-              <a:t>xử</a:t>
-            </a:r>
-            <a:r>
-              <a:rPr lang="en-US" dirty="0" smtClean="0"/>
-              <a:t> </a:t>
-            </a:r>
-            <a:r>
-              <a:rPr lang="en-US" dirty="0" err="1" smtClean="0"/>
-              <a:t>lý</a:t>
-            </a:r>
-            <a:r>
-              <a:rPr lang="en-US" dirty="0" smtClean="0"/>
-              <a:t> </a:t>
-            </a:r>
-            <a:r>
-              <a:rPr lang="en-US" dirty="0" err="1" smtClean="0"/>
-              <a:t>tương</a:t>
-            </a:r>
-            <a:r>
-              <a:rPr lang="en-US" dirty="0" smtClean="0"/>
-              <a:t> </a:t>
-            </a:r>
-            <a:r>
-              <a:rPr lang="en-US" dirty="0" err="1" smtClean="0"/>
-              <a:t>tác</a:t>
-            </a:r>
-            <a:endParaRPr lang="en-US" dirty="0" smtClean="0"/>
-          </a:p>
-          <a:p>
-            <a:r>
-              <a:rPr lang="en-US" dirty="0" smtClean="0"/>
-              <a:t>Form – </a:t>
-            </a:r>
-            <a:r>
-              <a:rPr lang="en-US" dirty="0" err="1" smtClean="0"/>
-              <a:t>xử</a:t>
-            </a:r>
-            <a:r>
-              <a:rPr lang="en-US" dirty="0" smtClean="0"/>
-              <a:t> </a:t>
-            </a:r>
-            <a:r>
-              <a:rPr lang="en-US" dirty="0" err="1" smtClean="0"/>
-              <a:t>lý</a:t>
-            </a:r>
-            <a:r>
-              <a:rPr lang="en-US" dirty="0" smtClean="0"/>
-              <a:t> form</a:t>
-            </a:r>
-          </a:p>
-          <a:p>
-            <a:r>
-              <a:rPr lang="en-US" dirty="0" smtClean="0"/>
-              <a:t>Selector – </a:t>
-            </a:r>
-            <a:r>
-              <a:rPr lang="en-US" dirty="0" err="1" smtClean="0"/>
-              <a:t>xử</a:t>
-            </a:r>
-            <a:r>
-              <a:rPr lang="en-US" dirty="0" smtClean="0"/>
-              <a:t> </a:t>
-            </a:r>
-            <a:r>
-              <a:rPr lang="en-US" dirty="0" err="1" smtClean="0"/>
-              <a:t>lý</a:t>
-            </a:r>
-            <a:r>
-              <a:rPr lang="en-US" dirty="0" smtClean="0"/>
-              <a:t> </a:t>
-            </a:r>
-            <a:r>
-              <a:rPr lang="en-US" dirty="0" err="1" smtClean="0"/>
-              <a:t>luồng</a:t>
-            </a:r>
-            <a:r>
-              <a:rPr lang="en-US" dirty="0" smtClean="0"/>
-              <a:t> </a:t>
-            </a:r>
-            <a:r>
-              <a:rPr lang="en-US" dirty="0" err="1" smtClean="0"/>
-              <a:t>giữa</a:t>
-            </a:r>
-            <a:r>
-              <a:rPr lang="en-US" dirty="0" smtClean="0"/>
-              <a:t> </a:t>
-            </a:r>
-            <a:r>
-              <a:rPr lang="en-US" dirty="0" err="1" smtClean="0"/>
-              <a:t>các</a:t>
-            </a:r>
-            <a:r>
-              <a:rPr lang="en-US" dirty="0" smtClean="0"/>
-              <a:t> HTML element</a:t>
-            </a:r>
-          </a:p>
-          <a:p>
-            <a:r>
-              <a:rPr lang="en-US" dirty="0" smtClean="0"/>
-              <a:t>Attributes – </a:t>
-            </a:r>
-            <a:r>
-              <a:rPr lang="en-US" dirty="0" err="1" smtClean="0"/>
-              <a:t>xử</a:t>
-            </a:r>
-            <a:r>
-              <a:rPr lang="en-US" dirty="0" smtClean="0"/>
-              <a:t> </a:t>
-            </a:r>
-            <a:r>
-              <a:rPr lang="en-US" dirty="0" err="1" smtClean="0"/>
-              <a:t>lý</a:t>
-            </a:r>
-            <a:r>
-              <a:rPr lang="en-US" dirty="0" smtClean="0"/>
-              <a:t> </a:t>
-            </a:r>
-            <a:r>
-              <a:rPr lang="en-US" dirty="0" err="1" smtClean="0"/>
-              <a:t>thuộc</a:t>
-            </a:r>
-            <a:r>
-              <a:rPr lang="en-US" dirty="0" smtClean="0"/>
-              <a:t> </a:t>
-            </a:r>
-            <a:r>
-              <a:rPr lang="en-US" dirty="0" err="1" smtClean="0"/>
-              <a:t>tính</a:t>
-            </a:r>
-            <a:r>
-              <a:rPr lang="en-US" dirty="0" smtClean="0"/>
-              <a:t> </a:t>
-            </a:r>
-            <a:r>
-              <a:rPr lang="en-US" dirty="0" err="1" smtClean="0"/>
-              <a:t>của</a:t>
-            </a:r>
-            <a:r>
-              <a:rPr lang="en-US" dirty="0" smtClean="0"/>
-              <a:t> HTML element</a:t>
-            </a:r>
-          </a:p>
-          <a:p>
-            <a:r>
-              <a:rPr lang="en-US" dirty="0" smtClean="0"/>
-              <a:t>Effect – </a:t>
-            </a:r>
-            <a:r>
-              <a:rPr lang="en-US" dirty="0" err="1" smtClean="0"/>
-              <a:t>xử</a:t>
-            </a:r>
-            <a:r>
-              <a:rPr lang="en-US" dirty="0" smtClean="0"/>
-              <a:t> </a:t>
-            </a:r>
-            <a:r>
-              <a:rPr lang="en-US" dirty="0" err="1" smtClean="0"/>
-              <a:t>lý</a:t>
-            </a:r>
-            <a:r>
-              <a:rPr lang="en-US" dirty="0" smtClean="0"/>
-              <a:t> </a:t>
-            </a:r>
-            <a:r>
-              <a:rPr lang="en-US" dirty="0" err="1" smtClean="0"/>
-              <a:t>hiệu</a:t>
-            </a:r>
-            <a:r>
-              <a:rPr lang="en-US" dirty="0" smtClean="0"/>
-              <a:t> </a:t>
-            </a:r>
-            <a:r>
-              <a:rPr lang="en-US" dirty="0" err="1" smtClean="0"/>
-              <a:t>ứng</a:t>
-            </a:r>
-            <a:endParaRPr lang="en-GB" dirty="0"/>
-          </a:p>
-        </p:txBody>
-      </p:sp>
-    </p:spTree>
-    <p:extLst>
-      <p:ext uri="{BB962C8B-B14F-4D97-AF65-F5344CB8AC3E}">
-        <p14:creationId xmlns:p14="http://schemas.microsoft.com/office/powerpoint/2010/main" val="2459073194"/>
+        <p14:creationId xmlns:p14="http://schemas.microsoft.com/office/powerpoint/2010/main" val="437747920"/>
       </p:ext>
     </p:extLst>
   </p:cSld>
